--- a/docs/background/wp3.pptx
+++ b/docs/background/wp3.pptx
@@ -244,7 +244,7 @@
           <a:p>
             <a:fld id="{0FCAAA17-9A98-44A7-A40B-93A668ADE87E}" type="datetimeFigureOut">
               <a:rPr lang="en-US" smtClean="0"/>
-              <a:t>11/11/2020</a:t>
+              <a:t>11/12/2020</a:t>
             </a:fld>
             <a:endParaRPr lang="en-US"/>
           </a:p>
@@ -414,7 +414,7 @@
           <a:p>
             <a:fld id="{0FCAAA17-9A98-44A7-A40B-93A668ADE87E}" type="datetimeFigureOut">
               <a:rPr lang="en-US" smtClean="0"/>
-              <a:t>11/11/2020</a:t>
+              <a:t>11/12/2020</a:t>
             </a:fld>
             <a:endParaRPr lang="en-US"/>
           </a:p>
@@ -594,7 +594,7 @@
           <a:p>
             <a:fld id="{0FCAAA17-9A98-44A7-A40B-93A668ADE87E}" type="datetimeFigureOut">
               <a:rPr lang="en-US" smtClean="0"/>
-              <a:t>11/11/2020</a:t>
+              <a:t>11/12/2020</a:t>
             </a:fld>
             <a:endParaRPr lang="en-US"/>
           </a:p>
@@ -764,7 +764,7 @@
           <a:p>
             <a:fld id="{0FCAAA17-9A98-44A7-A40B-93A668ADE87E}" type="datetimeFigureOut">
               <a:rPr lang="en-US" smtClean="0"/>
-              <a:t>11/11/2020</a:t>
+              <a:t>11/12/2020</a:t>
             </a:fld>
             <a:endParaRPr lang="en-US"/>
           </a:p>
@@ -1008,7 +1008,7 @@
           <a:p>
             <a:fld id="{0FCAAA17-9A98-44A7-A40B-93A668ADE87E}" type="datetimeFigureOut">
               <a:rPr lang="en-US" smtClean="0"/>
-              <a:t>11/11/2020</a:t>
+              <a:t>11/12/2020</a:t>
             </a:fld>
             <a:endParaRPr lang="en-US"/>
           </a:p>
@@ -1240,7 +1240,7 @@
           <a:p>
             <a:fld id="{0FCAAA17-9A98-44A7-A40B-93A668ADE87E}" type="datetimeFigureOut">
               <a:rPr lang="en-US" smtClean="0"/>
-              <a:t>11/11/2020</a:t>
+              <a:t>11/12/2020</a:t>
             </a:fld>
             <a:endParaRPr lang="en-US"/>
           </a:p>
@@ -1607,7 +1607,7 @@
           <a:p>
             <a:fld id="{0FCAAA17-9A98-44A7-A40B-93A668ADE87E}" type="datetimeFigureOut">
               <a:rPr lang="en-US" smtClean="0"/>
-              <a:t>11/11/2020</a:t>
+              <a:t>11/12/2020</a:t>
             </a:fld>
             <a:endParaRPr lang="en-US"/>
           </a:p>
@@ -1725,7 +1725,7 @@
           <a:p>
             <a:fld id="{0FCAAA17-9A98-44A7-A40B-93A668ADE87E}" type="datetimeFigureOut">
               <a:rPr lang="en-US" smtClean="0"/>
-              <a:t>11/11/2020</a:t>
+              <a:t>11/12/2020</a:t>
             </a:fld>
             <a:endParaRPr lang="en-US"/>
           </a:p>
@@ -1820,7 +1820,7 @@
           <a:p>
             <a:fld id="{0FCAAA17-9A98-44A7-A40B-93A668ADE87E}" type="datetimeFigureOut">
               <a:rPr lang="en-US" smtClean="0"/>
-              <a:t>11/11/2020</a:t>
+              <a:t>11/12/2020</a:t>
             </a:fld>
             <a:endParaRPr lang="en-US"/>
           </a:p>
@@ -2097,7 +2097,7 @@
           <a:p>
             <a:fld id="{0FCAAA17-9A98-44A7-A40B-93A668ADE87E}" type="datetimeFigureOut">
               <a:rPr lang="en-US" smtClean="0"/>
-              <a:t>11/11/2020</a:t>
+              <a:t>11/12/2020</a:t>
             </a:fld>
             <a:endParaRPr lang="en-US"/>
           </a:p>
@@ -2354,7 +2354,7 @@
           <a:p>
             <a:fld id="{0FCAAA17-9A98-44A7-A40B-93A668ADE87E}" type="datetimeFigureOut">
               <a:rPr lang="en-US" smtClean="0"/>
-              <a:t>11/11/2020</a:t>
+              <a:t>11/12/2020</a:t>
             </a:fld>
             <a:endParaRPr lang="en-US"/>
           </a:p>
@@ -2567,7 +2567,7 @@
           <a:p>
             <a:fld id="{0FCAAA17-9A98-44A7-A40B-93A668ADE87E}" type="datetimeFigureOut">
               <a:rPr lang="en-US" smtClean="0"/>
-              <a:t>11/11/2020</a:t>
+              <a:t>11/12/2020</a:t>
             </a:fld>
             <a:endParaRPr lang="en-US"/>
           </a:p>
@@ -3856,8 +3856,8 @@
         </p:nvSpPr>
         <p:spPr>
           <a:xfrm>
-            <a:off x="349454" y="21526661"/>
-            <a:ext cx="11560630" cy="5551627"/>
+            <a:off x="3330054" y="21526661"/>
+            <a:ext cx="8580030" cy="5551627"/>
           </a:xfrm>
           <a:prstGeom prst="rect">
             <a:avLst/>
@@ -3976,8 +3976,194 @@
         </p:nvSpPr>
         <p:spPr>
           <a:xfrm>
-            <a:off x="315682" y="27584108"/>
-            <a:ext cx="11560630" cy="5551627"/>
+            <a:off x="315681" y="27584108"/>
+            <a:ext cx="7722849" cy="5551627"/>
+          </a:xfrm>
+          <a:prstGeom prst="rect">
+            <a:avLst/>
+          </a:prstGeom>
+          <a:gradFill>
+            <a:gsLst>
+              <a:gs pos="0">
+                <a:schemeClr val="tx2">
+                  <a:lumMod val="50000"/>
+                  <a:alpha val="73000"/>
+                </a:schemeClr>
+              </a:gs>
+              <a:gs pos="100000">
+                <a:schemeClr val="tx2">
+                  <a:lumMod val="50000"/>
+                </a:schemeClr>
+              </a:gs>
+            </a:gsLst>
+            <a:lin ang="5400000" scaled="1"/>
+          </a:gradFill>
+        </p:spPr>
+        <p:style>
+          <a:lnRef idx="2">
+            <a:schemeClr val="accent1">
+              <a:shade val="50000"/>
+            </a:schemeClr>
+          </a:lnRef>
+          <a:fillRef idx="1">
+            <a:schemeClr val="accent1"/>
+          </a:fillRef>
+          <a:effectRef idx="0">
+            <a:schemeClr val="accent1"/>
+          </a:effectRef>
+          <a:fontRef idx="minor">
+            <a:schemeClr val="lt1"/>
+          </a:fontRef>
+        </p:style>
+        <p:txBody>
+          <a:bodyPr rtlCol="0" anchor="ctr"/>
+          <a:lstStyle/>
+          <a:p>
+            <a:pPr algn="ctr"/>
+            <a:endParaRPr lang="pt-BR" dirty="0"/>
+          </a:p>
+        </p:txBody>
+      </p:sp>
+      <p:sp>
+        <p:nvSpPr>
+          <p:cNvPr id="9" name="Retângulo 8">
+            <a:extLst>
+              <a:ext uri="{FF2B5EF4-FFF2-40B4-BE49-F238E27FC236}">
+                <a16:creationId xmlns:a16="http://schemas.microsoft.com/office/drawing/2014/main" id="{D48ACF3F-BCAA-49A5-9B50-B6AFA8052912}"/>
+              </a:ext>
+            </a:extLst>
+          </p:cNvPr>
+          <p:cNvSpPr/>
+          <p:nvPr/>
+        </p:nvSpPr>
+        <p:spPr>
+          <a:xfrm>
+            <a:off x="8219081" y="27584108"/>
+            <a:ext cx="3816000" cy="2733439"/>
+          </a:xfrm>
+          <a:prstGeom prst="rect">
+            <a:avLst/>
+          </a:prstGeom>
+          <a:gradFill>
+            <a:gsLst>
+              <a:gs pos="0">
+                <a:schemeClr val="tx2">
+                  <a:lumMod val="50000"/>
+                  <a:alpha val="73000"/>
+                </a:schemeClr>
+              </a:gs>
+              <a:gs pos="100000">
+                <a:schemeClr val="tx2">
+                  <a:lumMod val="50000"/>
+                </a:schemeClr>
+              </a:gs>
+            </a:gsLst>
+            <a:lin ang="5400000" scaled="1"/>
+          </a:gradFill>
+        </p:spPr>
+        <p:style>
+          <a:lnRef idx="2">
+            <a:schemeClr val="accent1">
+              <a:shade val="50000"/>
+            </a:schemeClr>
+          </a:lnRef>
+          <a:fillRef idx="1">
+            <a:schemeClr val="accent1"/>
+          </a:fillRef>
+          <a:effectRef idx="0">
+            <a:schemeClr val="accent1"/>
+          </a:effectRef>
+          <a:fontRef idx="minor">
+            <a:schemeClr val="lt1"/>
+          </a:fontRef>
+        </p:style>
+        <p:txBody>
+          <a:bodyPr rtlCol="0" anchor="ctr"/>
+          <a:lstStyle/>
+          <a:p>
+            <a:pPr algn="ctr"/>
+            <a:endParaRPr lang="pt-BR" dirty="0"/>
+          </a:p>
+        </p:txBody>
+      </p:sp>
+      <p:sp>
+        <p:nvSpPr>
+          <p:cNvPr id="10" name="Retângulo 9">
+            <a:extLst>
+              <a:ext uri="{FF2B5EF4-FFF2-40B4-BE49-F238E27FC236}">
+                <a16:creationId xmlns:a16="http://schemas.microsoft.com/office/drawing/2014/main" id="{8682FBB4-08DB-4299-B870-14F45434B524}"/>
+              </a:ext>
+            </a:extLst>
+          </p:cNvPr>
+          <p:cNvSpPr/>
+          <p:nvPr/>
+        </p:nvSpPr>
+        <p:spPr>
+          <a:xfrm>
+            <a:off x="281916" y="21526661"/>
+            <a:ext cx="2884365" cy="5551627"/>
+          </a:xfrm>
+          <a:prstGeom prst="rect">
+            <a:avLst/>
+          </a:prstGeom>
+          <a:gradFill>
+            <a:gsLst>
+              <a:gs pos="0">
+                <a:schemeClr val="tx2">
+                  <a:lumMod val="50000"/>
+                  <a:alpha val="73000"/>
+                </a:schemeClr>
+              </a:gs>
+              <a:gs pos="100000">
+                <a:schemeClr val="tx2">
+                  <a:lumMod val="50000"/>
+                </a:schemeClr>
+              </a:gs>
+            </a:gsLst>
+            <a:lin ang="5400000" scaled="1"/>
+          </a:gradFill>
+        </p:spPr>
+        <p:style>
+          <a:lnRef idx="2">
+            <a:schemeClr val="accent1">
+              <a:shade val="50000"/>
+            </a:schemeClr>
+          </a:lnRef>
+          <a:fillRef idx="1">
+            <a:schemeClr val="accent1"/>
+          </a:fillRef>
+          <a:effectRef idx="0">
+            <a:schemeClr val="accent1"/>
+          </a:effectRef>
+          <a:fontRef idx="minor">
+            <a:schemeClr val="lt1"/>
+          </a:fontRef>
+        </p:style>
+        <p:txBody>
+          <a:bodyPr rtlCol="0" anchor="ctr"/>
+          <a:lstStyle/>
+          <a:p>
+            <a:pPr algn="ctr"/>
+            <a:endParaRPr lang="pt-BR" dirty="0"/>
+          </a:p>
+        </p:txBody>
+      </p:sp>
+      <p:sp>
+        <p:nvSpPr>
+          <p:cNvPr id="11" name="Retângulo 10">
+            <a:extLst>
+              <a:ext uri="{FF2B5EF4-FFF2-40B4-BE49-F238E27FC236}">
+                <a16:creationId xmlns:a16="http://schemas.microsoft.com/office/drawing/2014/main" id="{5BE9973B-F550-437A-9D2C-69D2B930668B}"/>
+              </a:ext>
+            </a:extLst>
+          </p:cNvPr>
+          <p:cNvSpPr/>
+          <p:nvPr/>
+        </p:nvSpPr>
+        <p:spPr>
+          <a:xfrm>
+            <a:off x="8219081" y="30406023"/>
+            <a:ext cx="3816000" cy="2733439"/>
           </a:xfrm>
           <a:prstGeom prst="rect">
             <a:avLst/>

--- a/docs/background/wp3.pptx
+++ b/docs/background/wp3.pptx
@@ -244,7 +244,7 @@
           <a:p>
             <a:fld id="{0FCAAA17-9A98-44A7-A40B-93A668ADE87E}" type="datetimeFigureOut">
               <a:rPr lang="en-US" smtClean="0"/>
-              <a:t>11/12/2020</a:t>
+              <a:t>11/16/2020</a:t>
             </a:fld>
             <a:endParaRPr lang="en-US"/>
           </a:p>
@@ -414,7 +414,7 @@
           <a:p>
             <a:fld id="{0FCAAA17-9A98-44A7-A40B-93A668ADE87E}" type="datetimeFigureOut">
               <a:rPr lang="en-US" smtClean="0"/>
-              <a:t>11/12/2020</a:t>
+              <a:t>11/16/2020</a:t>
             </a:fld>
             <a:endParaRPr lang="en-US"/>
           </a:p>
@@ -594,7 +594,7 @@
           <a:p>
             <a:fld id="{0FCAAA17-9A98-44A7-A40B-93A668ADE87E}" type="datetimeFigureOut">
               <a:rPr lang="en-US" smtClean="0"/>
-              <a:t>11/12/2020</a:t>
+              <a:t>11/16/2020</a:t>
             </a:fld>
             <a:endParaRPr lang="en-US"/>
           </a:p>
@@ -764,7 +764,7 @@
           <a:p>
             <a:fld id="{0FCAAA17-9A98-44A7-A40B-93A668ADE87E}" type="datetimeFigureOut">
               <a:rPr lang="en-US" smtClean="0"/>
-              <a:t>11/12/2020</a:t>
+              <a:t>11/16/2020</a:t>
             </a:fld>
             <a:endParaRPr lang="en-US"/>
           </a:p>
@@ -1008,7 +1008,7 @@
           <a:p>
             <a:fld id="{0FCAAA17-9A98-44A7-A40B-93A668ADE87E}" type="datetimeFigureOut">
               <a:rPr lang="en-US" smtClean="0"/>
-              <a:t>11/12/2020</a:t>
+              <a:t>11/16/2020</a:t>
             </a:fld>
             <a:endParaRPr lang="en-US"/>
           </a:p>
@@ -1240,7 +1240,7 @@
           <a:p>
             <a:fld id="{0FCAAA17-9A98-44A7-A40B-93A668ADE87E}" type="datetimeFigureOut">
               <a:rPr lang="en-US" smtClean="0"/>
-              <a:t>11/12/2020</a:t>
+              <a:t>11/16/2020</a:t>
             </a:fld>
             <a:endParaRPr lang="en-US"/>
           </a:p>
@@ -1607,7 +1607,7 @@
           <a:p>
             <a:fld id="{0FCAAA17-9A98-44A7-A40B-93A668ADE87E}" type="datetimeFigureOut">
               <a:rPr lang="en-US" smtClean="0"/>
-              <a:t>11/12/2020</a:t>
+              <a:t>11/16/2020</a:t>
             </a:fld>
             <a:endParaRPr lang="en-US"/>
           </a:p>
@@ -1725,7 +1725,7 @@
           <a:p>
             <a:fld id="{0FCAAA17-9A98-44A7-A40B-93A668ADE87E}" type="datetimeFigureOut">
               <a:rPr lang="en-US" smtClean="0"/>
-              <a:t>11/12/2020</a:t>
+              <a:t>11/16/2020</a:t>
             </a:fld>
             <a:endParaRPr lang="en-US"/>
           </a:p>
@@ -1820,7 +1820,7 @@
           <a:p>
             <a:fld id="{0FCAAA17-9A98-44A7-A40B-93A668ADE87E}" type="datetimeFigureOut">
               <a:rPr lang="en-US" smtClean="0"/>
-              <a:t>11/12/2020</a:t>
+              <a:t>11/16/2020</a:t>
             </a:fld>
             <a:endParaRPr lang="en-US"/>
           </a:p>
@@ -2097,7 +2097,7 @@
           <a:p>
             <a:fld id="{0FCAAA17-9A98-44A7-A40B-93A668ADE87E}" type="datetimeFigureOut">
               <a:rPr lang="en-US" smtClean="0"/>
-              <a:t>11/12/2020</a:t>
+              <a:t>11/16/2020</a:t>
             </a:fld>
             <a:endParaRPr lang="en-US"/>
           </a:p>
@@ -2354,7 +2354,7 @@
           <a:p>
             <a:fld id="{0FCAAA17-9A98-44A7-A40B-93A668ADE87E}" type="datetimeFigureOut">
               <a:rPr lang="en-US" smtClean="0"/>
-              <a:t>11/12/2020</a:t>
+              <a:t>11/16/2020</a:t>
             </a:fld>
             <a:endParaRPr lang="en-US"/>
           </a:p>
@@ -2567,7 +2567,7 @@
           <a:p>
             <a:fld id="{0FCAAA17-9A98-44A7-A40B-93A668ADE87E}" type="datetimeFigureOut">
               <a:rPr lang="en-US" smtClean="0"/>
-              <a:t>11/12/2020</a:t>
+              <a:t>11/16/2020</a:t>
             </a:fld>
             <a:endParaRPr lang="en-US"/>
           </a:p>
@@ -3733,7 +3733,7 @@
         <p:spPr>
           <a:xfrm>
             <a:off x="315682" y="9347041"/>
-            <a:ext cx="11560630" cy="5551627"/>
+            <a:ext cx="5656252" cy="5551627"/>
           </a:xfrm>
           <a:prstGeom prst="rect">
             <a:avLst/>
@@ -3857,7 +3857,7 @@
         <p:spPr>
           <a:xfrm>
             <a:off x="3330054" y="21526661"/>
-            <a:ext cx="8580030" cy="5551627"/>
+            <a:ext cx="8546258" cy="5551627"/>
           </a:xfrm>
           <a:prstGeom prst="rect">
             <a:avLst/>
@@ -4164,6 +4164,68 @@
           <a:xfrm>
             <a:off x="8219081" y="30406023"/>
             <a:ext cx="3816000" cy="2733439"/>
+          </a:xfrm>
+          <a:prstGeom prst="rect">
+            <a:avLst/>
+          </a:prstGeom>
+          <a:gradFill>
+            <a:gsLst>
+              <a:gs pos="0">
+                <a:schemeClr val="tx2">
+                  <a:lumMod val="50000"/>
+                  <a:alpha val="73000"/>
+                </a:schemeClr>
+              </a:gs>
+              <a:gs pos="100000">
+                <a:schemeClr val="tx2">
+                  <a:lumMod val="50000"/>
+                </a:schemeClr>
+              </a:gs>
+            </a:gsLst>
+            <a:lin ang="5400000" scaled="1"/>
+          </a:gradFill>
+        </p:spPr>
+        <p:style>
+          <a:lnRef idx="2">
+            <a:schemeClr val="accent1">
+              <a:shade val="50000"/>
+            </a:schemeClr>
+          </a:lnRef>
+          <a:fillRef idx="1">
+            <a:schemeClr val="accent1"/>
+          </a:fillRef>
+          <a:effectRef idx="0">
+            <a:schemeClr val="accent1"/>
+          </a:effectRef>
+          <a:fontRef idx="minor">
+            <a:schemeClr val="lt1"/>
+          </a:fontRef>
+        </p:style>
+        <p:txBody>
+          <a:bodyPr rtlCol="0" anchor="ctr"/>
+          <a:lstStyle/>
+          <a:p>
+            <a:pPr algn="ctr"/>
+            <a:endParaRPr lang="pt-BR" dirty="0"/>
+          </a:p>
+        </p:txBody>
+      </p:sp>
+      <p:sp>
+        <p:nvSpPr>
+          <p:cNvPr id="14" name="Retângulo 13">
+            <a:extLst>
+              <a:ext uri="{FF2B5EF4-FFF2-40B4-BE49-F238E27FC236}">
+                <a16:creationId xmlns:a16="http://schemas.microsoft.com/office/drawing/2014/main" id="{47BBA776-194C-4C6A-AED3-2824D3D4AED1}"/>
+              </a:ext>
+            </a:extLst>
+          </p:cNvPr>
+          <p:cNvSpPr/>
+          <p:nvPr/>
+        </p:nvSpPr>
+        <p:spPr>
+          <a:xfrm>
+            <a:off x="6220061" y="9343630"/>
+            <a:ext cx="5656252" cy="5551627"/>
           </a:xfrm>
           <a:prstGeom prst="rect">
             <a:avLst/>
